--- a/apresentação.pptx
+++ b/apresentação.pptx
@@ -6,6 +6,13 @@
   </p:sldMasterIdLst>
   <p:sldIdLst>
     <p:sldId id="256" r:id="rId2"/>
+    <p:sldId id="263" r:id="rId3"/>
+    <p:sldId id="261" r:id="rId4"/>
+    <p:sldId id="257" r:id="rId5"/>
+    <p:sldId id="258" r:id="rId6"/>
+    <p:sldId id="262" r:id="rId7"/>
+    <p:sldId id="259" r:id="rId8"/>
+    <p:sldId id="260" r:id="rId9"/>
   </p:sldIdLst>
   <p:sldSz cx="9144000" cy="6858000" type="screen4x3"/>
   <p:notesSz cx="6858000" cy="9144000"/>
@@ -3627,7 +3634,12 @@
             <p:ph type="ctrTitle"/>
           </p:nvPr>
         </p:nvSpPr>
-        <p:spPr/>
+        <p:spPr>
+          <a:xfrm>
+            <a:off x="1187624" y="3356992"/>
+            <a:ext cx="6480048" cy="2301240"/>
+          </a:xfrm>
+        </p:spPr>
         <p:txBody>
           <a:bodyPr/>
           <a:lstStyle/>
@@ -3657,11 +3669,17 @@
             <p:ph type="subTitle" idx="1"/>
           </p:nvPr>
         </p:nvSpPr>
-        <p:spPr/>
-        <p:txBody>
-          <a:bodyPr/>
-          <a:lstStyle/>
-          <a:p>
+        <p:spPr>
+          <a:xfrm>
+            <a:off x="1619672" y="3284984"/>
+            <a:ext cx="6480048" cy="1752600"/>
+          </a:xfrm>
+        </p:spPr>
+        <p:txBody>
+          <a:bodyPr/>
+          <a:lstStyle/>
+          <a:p>
+            <a:pPr algn="ctr"/>
             <a:r>
               <a:rPr lang="pt-PT" dirty="0" smtClean="0"/>
               <a:t>Trabalho realizado por: Marcelo Nogueira Nº16 12ºI1</a:t>
@@ -3672,7 +3690,7 @@
       </p:sp>
       <p:pic>
         <p:nvPicPr>
-          <p:cNvPr id="1027" name="Picture 3" descr="C:\Users\Professor\Desktop\aedah.png"/>
+          <p:cNvPr id="1026" name="Picture 2" descr="D:\marcelo\projeto\aedahlogo.png"/>
           <p:cNvPicPr>
             <a:picLocks noChangeAspect="1" noChangeArrowheads="1"/>
           </p:cNvPicPr>
@@ -3693,8 +3711,49 @@
         </p:blipFill>
         <p:spPr bwMode="auto">
           <a:xfrm>
-            <a:off x="0" y="-13568"/>
-            <a:ext cx="2578100" cy="3149600"/>
+            <a:off x="107504" y="37875"/>
+            <a:ext cx="1484749" cy="1800200"/>
+          </a:xfrm>
+          <a:prstGeom prst="rect">
+            <a:avLst/>
+          </a:prstGeom>
+          <a:noFill/>
+          <a:extLst>
+            <a:ext uri="{909E8E84-426E-40DD-AFC4-6F175D3DCCD1}">
+              <a14:hiddenFill xmlns:a14="http://schemas.microsoft.com/office/drawing/2010/main">
+                <a:solidFill>
+                  <a:srgbClr val="FFFFFF"/>
+                </a:solidFill>
+              </a14:hiddenFill>
+            </a:ext>
+          </a:extLst>
+        </p:spPr>
+      </p:pic>
+      <p:pic>
+        <p:nvPicPr>
+          <p:cNvPr id="4" name="Picture 3" descr="D:\marcelo\projeto\LethalArms_sem_fundo.png"/>
+          <p:cNvPicPr>
+            <a:picLocks noChangeAspect="1" noChangeArrowheads="1"/>
+          </p:cNvPicPr>
+          <p:nvPr/>
+        </p:nvPicPr>
+        <p:blipFill>
+          <a:blip r:embed="rId3" cstate="print">
+            <a:extLst>
+              <a:ext uri="{28A0092B-C50C-407E-A947-70E740481C1C}">
+                <a14:useLocalDpi xmlns:a14="http://schemas.microsoft.com/office/drawing/2010/main" val="0"/>
+              </a:ext>
+            </a:extLst>
+          </a:blip>
+          <a:srcRect/>
+          <a:stretch>
+            <a:fillRect/>
+          </a:stretch>
+        </p:blipFill>
+        <p:spPr bwMode="auto">
+          <a:xfrm>
+            <a:off x="8042223" y="-1488"/>
+            <a:ext cx="1086869" cy="1086869"/>
           </a:xfrm>
           <a:prstGeom prst="rect">
             <a:avLst/>
@@ -3721,48 +3780,1154 @@
   <p:clrMapOvr>
     <a:masterClrMapping/>
   </p:clrMapOvr>
+  <p:timing>
+    <p:tnLst>
+      <p:par>
+        <p:cTn id="1" dur="indefinite" restart="never" nodeType="tmRoot"/>
+      </p:par>
+    </p:tnLst>
+  </p:timing>
+</p:sld>
+</file>
+
+<file path=ppt/slides/slide2.xml><?xml version="1.0" encoding="utf-8"?>
+<p:sld xmlns:a="http://schemas.openxmlformats.org/drawingml/2006/main" xmlns:r="http://schemas.openxmlformats.org/officeDocument/2006/relationships" xmlns:p="http://schemas.openxmlformats.org/presentationml/2006/main">
+  <p:cSld>
+    <p:spTree>
+      <p:nvGrpSpPr>
+        <p:cNvPr id="1" name=""/>
+        <p:cNvGrpSpPr/>
+        <p:nvPr/>
+      </p:nvGrpSpPr>
+      <p:grpSpPr>
+        <a:xfrm>
+          <a:off x="0" y="0"/>
+          <a:ext cx="0" cy="0"/>
+          <a:chOff x="0" y="0"/>
+          <a:chExt cx="0" cy="0"/>
+        </a:xfrm>
+      </p:grpSpPr>
+      <p:sp>
+        <p:nvSpPr>
+          <p:cNvPr id="2" name="Título 1"/>
+          <p:cNvSpPr>
+            <a:spLocks noGrp="1"/>
+          </p:cNvSpPr>
+          <p:nvPr>
+            <p:ph type="title"/>
+          </p:nvPr>
+        </p:nvSpPr>
+        <p:spPr/>
+        <p:txBody>
+          <a:bodyPr/>
+          <a:lstStyle/>
+          <a:p>
+            <a:pPr algn="ctr"/>
+            <a:r>
+              <a:rPr lang="pt-PT" dirty="0" smtClean="0"/>
+              <a:t>Introdução</a:t>
+            </a:r>
+            <a:endParaRPr lang="pt-PT" dirty="0"/>
+          </a:p>
+        </p:txBody>
+      </p:sp>
+      <p:sp>
+        <p:nvSpPr>
+          <p:cNvPr id="3" name="Marcador de Posição de Conteúdo 2"/>
+          <p:cNvSpPr>
+            <a:spLocks noGrp="1"/>
+          </p:cNvSpPr>
+          <p:nvPr>
+            <p:ph idx="1"/>
+          </p:nvPr>
+        </p:nvSpPr>
+        <p:spPr/>
+        <p:txBody>
+          <a:bodyPr>
+            <a:normAutofit/>
+          </a:bodyPr>
+          <a:lstStyle/>
+          <a:p>
+            <a:pPr marL="36576" indent="0" algn="ctr">
+              <a:buNone/>
+            </a:pPr>
+            <a:r>
+              <a:rPr lang="pt-PT" sz="1400" dirty="0" smtClean="0"/>
+              <a:t>Para o desenvolvimento do site foi usado:</a:t>
+            </a:r>
+            <a:endParaRPr lang="pt-PT" sz="1400" dirty="0"/>
+          </a:p>
+          <a:p>
+            <a:r>
+              <a:rPr lang="pt-PT" sz="1400" dirty="0" err="1" smtClean="0"/>
+              <a:t>Laravel</a:t>
+            </a:r>
+            <a:endParaRPr lang="pt-PT" sz="1400" dirty="0" smtClean="0"/>
+          </a:p>
+          <a:p>
+            <a:r>
+              <a:rPr lang="pt-PT" sz="1400" dirty="0" err="1" smtClean="0"/>
+              <a:t>Phpmyadmin</a:t>
+            </a:r>
+            <a:endParaRPr lang="pt-PT" sz="1400" dirty="0" smtClean="0"/>
+          </a:p>
+          <a:p>
+            <a:r>
+              <a:rPr lang="pt-PT" sz="1400" dirty="0" err="1" smtClean="0"/>
+              <a:t>FontAwesome</a:t>
+            </a:r>
+            <a:endParaRPr lang="pt-PT" sz="1400" dirty="0" smtClean="0"/>
+          </a:p>
+          <a:p>
+            <a:r>
+              <a:rPr lang="pt-PT" sz="1400" dirty="0" err="1" smtClean="0"/>
+              <a:t>Bootstrap</a:t>
+            </a:r>
+            <a:endParaRPr lang="pt-PT" sz="1400" dirty="0"/>
+          </a:p>
+          <a:p>
+            <a:r>
+              <a:rPr lang="pt-PT" sz="1400" dirty="0" err="1" smtClean="0"/>
+              <a:t>GitHub</a:t>
+            </a:r>
+            <a:endParaRPr lang="pt-PT" sz="1400" dirty="0"/>
+          </a:p>
+          <a:p>
+            <a:r>
+              <a:rPr lang="pt-PT" sz="1400" dirty="0" err="1" smtClean="0"/>
+              <a:t>GitAhead</a:t>
+            </a:r>
+            <a:r>
+              <a:rPr lang="pt-PT" sz="1400" dirty="0" smtClean="0"/>
+              <a:t>/</a:t>
+            </a:r>
+            <a:r>
+              <a:rPr lang="pt-PT" sz="1400" dirty="0" err="1" smtClean="0"/>
+              <a:t>GitExtensions</a:t>
+            </a:r>
+            <a:r>
+              <a:rPr lang="pt-PT" sz="1400" dirty="0" smtClean="0"/>
+              <a:t> </a:t>
+            </a:r>
+          </a:p>
+          <a:p>
+            <a:r>
+              <a:rPr lang="pt-PT" sz="1400" dirty="0" err="1" smtClean="0"/>
+              <a:t>DiagramEditor</a:t>
+            </a:r>
+            <a:r>
+              <a:rPr lang="pt-PT" sz="1400" dirty="0" smtClean="0"/>
+              <a:t> – para criar o DER.</a:t>
+            </a:r>
+            <a:endParaRPr lang="pt-PT" sz="1400" dirty="0"/>
+          </a:p>
+        </p:txBody>
+      </p:sp>
+    </p:spTree>
+    <p:extLst>
+      <p:ext uri="{BB962C8B-B14F-4D97-AF65-F5344CB8AC3E}">
+        <p14:creationId xmlns:p14="http://schemas.microsoft.com/office/powerpoint/2010/main" val="2042061019"/>
+      </p:ext>
+    </p:extLst>
+  </p:cSld>
+  <p:clrMapOvr>
+    <a:masterClrMapping/>
+  </p:clrMapOvr>
+  <p:timing>
+    <p:tnLst>
+      <p:par>
+        <p:cTn id="1" dur="indefinite" restart="never" nodeType="tmRoot"/>
+      </p:par>
+    </p:tnLst>
+  </p:timing>
+</p:sld>
+</file>
+
+<file path=ppt/slides/slide3.xml><?xml version="1.0" encoding="utf-8"?>
+<p:sld xmlns:a="http://schemas.openxmlformats.org/drawingml/2006/main" xmlns:r="http://schemas.openxmlformats.org/officeDocument/2006/relationships" xmlns:p="http://schemas.openxmlformats.org/presentationml/2006/main">
+  <p:cSld>
+    <p:spTree>
+      <p:nvGrpSpPr>
+        <p:cNvPr id="1" name=""/>
+        <p:cNvGrpSpPr/>
+        <p:nvPr/>
+      </p:nvGrpSpPr>
+      <p:grpSpPr>
+        <a:xfrm>
+          <a:off x="0" y="0"/>
+          <a:ext cx="0" cy="0"/>
+          <a:chOff x="0" y="0"/>
+          <a:chExt cx="0" cy="0"/>
+        </a:xfrm>
+      </p:grpSpPr>
+      <p:sp>
+        <p:nvSpPr>
+          <p:cNvPr id="2" name="Título 1"/>
+          <p:cNvSpPr>
+            <a:spLocks noGrp="1"/>
+          </p:cNvSpPr>
+          <p:nvPr>
+            <p:ph type="title"/>
+          </p:nvPr>
+        </p:nvSpPr>
+        <p:spPr/>
+        <p:txBody>
+          <a:bodyPr/>
+          <a:lstStyle/>
+          <a:p>
+            <a:pPr algn="ctr"/>
+            <a:r>
+              <a:rPr lang="pt-PT" dirty="0" smtClean="0"/>
+              <a:t>DER</a:t>
+            </a:r>
+            <a:endParaRPr lang="pt-PT" dirty="0"/>
+          </a:p>
+        </p:txBody>
+      </p:sp>
+      <p:sp>
+        <p:nvSpPr>
+          <p:cNvPr id="3" name="Marcador de Posição de Conteúdo 2"/>
+          <p:cNvSpPr>
+            <a:spLocks noGrp="1"/>
+          </p:cNvSpPr>
+          <p:nvPr>
+            <p:ph idx="1"/>
+          </p:nvPr>
+        </p:nvSpPr>
+        <p:spPr/>
+        <p:txBody>
+          <a:bodyPr/>
+          <a:lstStyle/>
+          <a:p>
+            <a:endParaRPr lang="pt-PT"/>
+          </a:p>
+        </p:txBody>
+      </p:sp>
+      <p:pic>
+        <p:nvPicPr>
+          <p:cNvPr id="5122" name="Picture 2"/>
+          <p:cNvPicPr>
+            <a:picLocks noChangeAspect="1" noChangeArrowheads="1"/>
+          </p:cNvPicPr>
+          <p:nvPr/>
+        </p:nvPicPr>
+        <p:blipFill>
+          <a:blip r:embed="rId2">
+            <a:extLst>
+              <a:ext uri="{28A0092B-C50C-407E-A947-70E740481C1C}">
+                <a14:useLocalDpi xmlns:a14="http://schemas.microsoft.com/office/drawing/2010/main" val="0"/>
+              </a:ext>
+            </a:extLst>
+          </a:blip>
+          <a:srcRect/>
+          <a:stretch>
+            <a:fillRect/>
+          </a:stretch>
+        </p:blipFill>
+        <p:spPr bwMode="auto">
+          <a:xfrm>
+            <a:off x="2195736" y="1988840"/>
+            <a:ext cx="4208296" cy="3672408"/>
+          </a:xfrm>
+          <a:prstGeom prst="rect">
+            <a:avLst/>
+          </a:prstGeom>
+          <a:noFill/>
+          <a:ln>
+            <a:noFill/>
+          </a:ln>
+          <a:extLst>
+            <a:ext uri="{909E8E84-426E-40DD-AFC4-6F175D3DCCD1}">
+              <a14:hiddenFill xmlns:a14="http://schemas.microsoft.com/office/drawing/2010/main">
+                <a:solidFill>
+                  <a:schemeClr val="accent1"/>
+                </a:solidFill>
+              </a14:hiddenFill>
+            </a:ext>
+            <a:ext uri="{91240B29-F687-4F45-9708-019B960494DF}">
+              <a14:hiddenLine xmlns:a14="http://schemas.microsoft.com/office/drawing/2010/main" w="9525">
+                <a:solidFill>
+                  <a:schemeClr val="tx1"/>
+                </a:solidFill>
+                <a:miter lim="800000"/>
+                <a:headEnd/>
+                <a:tailEnd/>
+              </a14:hiddenLine>
+            </a:ext>
+          </a:extLst>
+        </p:spPr>
+      </p:pic>
+    </p:spTree>
+    <p:extLst>
+      <p:ext uri="{BB962C8B-B14F-4D97-AF65-F5344CB8AC3E}">
+        <p14:creationId xmlns:p14="http://schemas.microsoft.com/office/powerpoint/2010/main" val="1197287010"/>
+      </p:ext>
+    </p:extLst>
+  </p:cSld>
+  <p:clrMapOvr>
+    <a:masterClrMapping/>
+  </p:clrMapOvr>
+  <p:timing>
+    <p:tnLst>
+      <p:par>
+        <p:cTn id="1" dur="indefinite" restart="never" nodeType="tmRoot"/>
+      </p:par>
+    </p:tnLst>
+  </p:timing>
+</p:sld>
+</file>
+
+<file path=ppt/slides/slide4.xml><?xml version="1.0" encoding="utf-8"?>
+<p:sld xmlns:a="http://schemas.openxmlformats.org/drawingml/2006/main" xmlns:r="http://schemas.openxmlformats.org/officeDocument/2006/relationships" xmlns:p="http://schemas.openxmlformats.org/presentationml/2006/main">
+  <p:cSld>
+    <p:spTree>
+      <p:nvGrpSpPr>
+        <p:cNvPr id="1" name=""/>
+        <p:cNvGrpSpPr/>
+        <p:nvPr/>
+      </p:nvGrpSpPr>
+      <p:grpSpPr>
+        <a:xfrm>
+          <a:off x="0" y="0"/>
+          <a:ext cx="0" cy="0"/>
+          <a:chOff x="0" y="0"/>
+          <a:chExt cx="0" cy="0"/>
+        </a:xfrm>
+      </p:grpSpPr>
+      <p:sp>
+        <p:nvSpPr>
+          <p:cNvPr id="2" name="Título 1"/>
+          <p:cNvSpPr>
+            <a:spLocks noGrp="1"/>
+          </p:cNvSpPr>
+          <p:nvPr>
+            <p:ph type="title"/>
+          </p:nvPr>
+        </p:nvSpPr>
+        <p:spPr/>
+        <p:txBody>
+          <a:bodyPr/>
+          <a:lstStyle/>
+          <a:p>
+            <a:pPr algn="ctr"/>
+            <a:r>
+              <a:rPr lang="pt-PT" dirty="0" smtClean="0"/>
+              <a:t>Página Principal</a:t>
+            </a:r>
+            <a:endParaRPr lang="pt-PT" dirty="0"/>
+          </a:p>
+        </p:txBody>
+      </p:sp>
+      <p:sp>
+        <p:nvSpPr>
+          <p:cNvPr id="3" name="Marcador de Posição de Conteúdo 2"/>
+          <p:cNvSpPr>
+            <a:spLocks noGrp="1"/>
+          </p:cNvSpPr>
+          <p:nvPr>
+            <p:ph idx="1"/>
+          </p:nvPr>
+        </p:nvSpPr>
+        <p:spPr>
+          <a:xfrm>
+            <a:off x="6039546" y="1268760"/>
+            <a:ext cx="2996950" cy="4857403"/>
+          </a:xfrm>
+        </p:spPr>
+        <p:txBody>
+          <a:bodyPr>
+            <a:normAutofit/>
+          </a:bodyPr>
+          <a:lstStyle/>
+          <a:p>
+            <a:pPr marL="36576" indent="0">
+              <a:buNone/>
+            </a:pPr>
+            <a:r>
+              <a:rPr lang="pt-PT" sz="1400" dirty="0" smtClean="0"/>
+              <a:t>A página principal contém os 4 primeiros valores de cada tabela da base de dados e uma botão que vai levar o utilizador para outra página com todos os valores das principais tabelas da base de dados.</a:t>
+            </a:r>
+          </a:p>
+          <a:p>
+            <a:pPr marL="36576" indent="0">
+              <a:buNone/>
+            </a:pPr>
+            <a:r>
+              <a:rPr lang="pt-PT" sz="1400" dirty="0" smtClean="0"/>
+              <a:t>Têm também um menu que permite navegar pelo site, conseguindo aceder aos dados das diversas tabelas, assim como pesquisar algum dado nelas.</a:t>
+            </a:r>
+            <a:endParaRPr lang="pt-PT" sz="1400" dirty="0"/>
+          </a:p>
+        </p:txBody>
+      </p:sp>
+      <p:pic>
+        <p:nvPicPr>
+          <p:cNvPr id="2050" name="Picture 2"/>
+          <p:cNvPicPr>
+            <a:picLocks noChangeAspect="1" noChangeArrowheads="1"/>
+          </p:cNvPicPr>
+          <p:nvPr/>
+        </p:nvPicPr>
+        <p:blipFill>
+          <a:blip r:embed="rId2">
+            <a:extLst>
+              <a:ext uri="{28A0092B-C50C-407E-A947-70E740481C1C}">
+                <a14:useLocalDpi xmlns:a14="http://schemas.microsoft.com/office/drawing/2010/main" val="0"/>
+              </a:ext>
+            </a:extLst>
+          </a:blip>
+          <a:srcRect/>
+          <a:stretch>
+            <a:fillRect/>
+          </a:stretch>
+        </p:blipFill>
+        <p:spPr bwMode="auto">
+          <a:xfrm>
+            <a:off x="107504" y="1484784"/>
+            <a:ext cx="5788026" cy="3096344"/>
+          </a:xfrm>
+          <a:prstGeom prst="rect">
+            <a:avLst/>
+          </a:prstGeom>
+          <a:noFill/>
+          <a:ln>
+            <a:noFill/>
+          </a:ln>
+          <a:extLst>
+            <a:ext uri="{909E8E84-426E-40DD-AFC4-6F175D3DCCD1}">
+              <a14:hiddenFill xmlns:a14="http://schemas.microsoft.com/office/drawing/2010/main">
+                <a:solidFill>
+                  <a:schemeClr val="accent1"/>
+                </a:solidFill>
+              </a14:hiddenFill>
+            </a:ext>
+            <a:ext uri="{91240B29-F687-4F45-9708-019B960494DF}">
+              <a14:hiddenLine xmlns:a14="http://schemas.microsoft.com/office/drawing/2010/main" w="9525">
+                <a:solidFill>
+                  <a:schemeClr val="tx1"/>
+                </a:solidFill>
+                <a:miter lim="800000"/>
+                <a:headEnd/>
+                <a:tailEnd/>
+              </a14:hiddenLine>
+            </a:ext>
+          </a:extLst>
+        </p:spPr>
+      </p:pic>
+    </p:spTree>
+    <p:extLst>
+      <p:ext uri="{BB962C8B-B14F-4D97-AF65-F5344CB8AC3E}">
+        <p14:creationId xmlns:p14="http://schemas.microsoft.com/office/powerpoint/2010/main" val="1318189017"/>
+      </p:ext>
+    </p:extLst>
+  </p:cSld>
+  <p:clrMapOvr>
+    <a:masterClrMapping/>
+  </p:clrMapOvr>
+  <p:timing>
+    <p:tnLst>
+      <p:par>
+        <p:cTn id="1" dur="indefinite" restart="never" nodeType="tmRoot"/>
+      </p:par>
+    </p:tnLst>
+  </p:timing>
+</p:sld>
+</file>
+
+<file path=ppt/slides/slide5.xml><?xml version="1.0" encoding="utf-8"?>
+<p:sld xmlns:a="http://schemas.openxmlformats.org/drawingml/2006/main" xmlns:r="http://schemas.openxmlformats.org/officeDocument/2006/relationships" xmlns:p="http://schemas.openxmlformats.org/presentationml/2006/main">
+  <p:cSld>
+    <p:spTree>
+      <p:nvGrpSpPr>
+        <p:cNvPr id="1" name=""/>
+        <p:cNvGrpSpPr/>
+        <p:nvPr/>
+      </p:nvGrpSpPr>
+      <p:grpSpPr>
+        <a:xfrm>
+          <a:off x="0" y="0"/>
+          <a:ext cx="0" cy="0"/>
+          <a:chOff x="0" y="0"/>
+          <a:chExt cx="0" cy="0"/>
+        </a:xfrm>
+      </p:grpSpPr>
+      <p:sp>
+        <p:nvSpPr>
+          <p:cNvPr id="2" name="Título 1"/>
+          <p:cNvSpPr>
+            <a:spLocks noGrp="1"/>
+          </p:cNvSpPr>
+          <p:nvPr>
+            <p:ph type="title"/>
+          </p:nvPr>
+        </p:nvSpPr>
+        <p:spPr/>
+        <p:txBody>
+          <a:bodyPr/>
+          <a:lstStyle/>
+          <a:p>
+            <a:pPr algn="ctr"/>
+            <a:r>
+              <a:rPr lang="pt-PT" dirty="0" smtClean="0"/>
+              <a:t>Procura</a:t>
+            </a:r>
+            <a:endParaRPr lang="pt-PT" dirty="0"/>
+          </a:p>
+        </p:txBody>
+      </p:sp>
+      <p:sp>
+        <p:nvSpPr>
+          <p:cNvPr id="3" name="Marcador de Posição de Conteúdo 2"/>
+          <p:cNvSpPr>
+            <a:spLocks noGrp="1"/>
+          </p:cNvSpPr>
+          <p:nvPr>
+            <p:ph idx="1"/>
+          </p:nvPr>
+        </p:nvSpPr>
+        <p:spPr>
+          <a:xfrm>
+            <a:off x="457200" y="2492896"/>
+            <a:ext cx="7467600" cy="792088"/>
+          </a:xfrm>
+        </p:spPr>
+        <p:txBody>
+          <a:bodyPr>
+            <a:normAutofit/>
+          </a:bodyPr>
+          <a:lstStyle/>
+          <a:p>
+            <a:pPr marL="36576" indent="0">
+              <a:buNone/>
+            </a:pPr>
+            <a:r>
+              <a:rPr lang="pt-PT" sz="1400" dirty="0" smtClean="0"/>
+              <a:t>A página de pesquisa, em si é simples, contendo apenas um lugar para o utilizador digitar o que deseja procurar, e um botão “Submeter” para o site, iniciar a procura à base de dados do que o utilizador digitou.</a:t>
+            </a:r>
+            <a:endParaRPr lang="pt-PT" sz="1400" dirty="0"/>
+          </a:p>
+        </p:txBody>
+      </p:sp>
+      <p:pic>
+        <p:nvPicPr>
+          <p:cNvPr id="3075" name="Picture 3"/>
+          <p:cNvPicPr>
+            <a:picLocks noChangeAspect="1" noChangeArrowheads="1"/>
+          </p:cNvPicPr>
+          <p:nvPr/>
+        </p:nvPicPr>
+        <p:blipFill>
+          <a:blip r:embed="rId2">
+            <a:extLst>
+              <a:ext uri="{28A0092B-C50C-407E-A947-70E740481C1C}">
+                <a14:useLocalDpi xmlns:a14="http://schemas.microsoft.com/office/drawing/2010/main" val="0"/>
+              </a:ext>
+            </a:extLst>
+          </a:blip>
+          <a:srcRect/>
+          <a:stretch>
+            <a:fillRect/>
+          </a:stretch>
+        </p:blipFill>
+        <p:spPr bwMode="auto">
+          <a:xfrm>
+            <a:off x="611560" y="1484784"/>
+            <a:ext cx="7042474" cy="876819"/>
+          </a:xfrm>
+          <a:prstGeom prst="rect">
+            <a:avLst/>
+          </a:prstGeom>
+          <a:noFill/>
+          <a:ln>
+            <a:noFill/>
+          </a:ln>
+          <a:extLst>
+            <a:ext uri="{909E8E84-426E-40DD-AFC4-6F175D3DCCD1}">
+              <a14:hiddenFill xmlns:a14="http://schemas.microsoft.com/office/drawing/2010/main">
+                <a:solidFill>
+                  <a:schemeClr val="accent1"/>
+                </a:solidFill>
+              </a14:hiddenFill>
+            </a:ext>
+            <a:ext uri="{91240B29-F687-4F45-9708-019B960494DF}">
+              <a14:hiddenLine xmlns:a14="http://schemas.microsoft.com/office/drawing/2010/main" w="9525">
+                <a:solidFill>
+                  <a:schemeClr val="tx1"/>
+                </a:solidFill>
+                <a:miter lim="800000"/>
+                <a:headEnd/>
+                <a:tailEnd/>
+              </a14:hiddenLine>
+            </a:ext>
+          </a:extLst>
+        </p:spPr>
+      </p:pic>
+      <p:pic>
+        <p:nvPicPr>
+          <p:cNvPr id="3076" name="Picture 4"/>
+          <p:cNvPicPr>
+            <a:picLocks noChangeAspect="1" noChangeArrowheads="1"/>
+          </p:cNvPicPr>
+          <p:nvPr/>
+        </p:nvPicPr>
+        <p:blipFill>
+          <a:blip r:embed="rId3">
+            <a:extLst>
+              <a:ext uri="{28A0092B-C50C-407E-A947-70E740481C1C}">
+                <a14:useLocalDpi xmlns:a14="http://schemas.microsoft.com/office/drawing/2010/main" val="0"/>
+              </a:ext>
+            </a:extLst>
+          </a:blip>
+          <a:srcRect/>
+          <a:stretch>
+            <a:fillRect/>
+          </a:stretch>
+        </p:blipFill>
+        <p:spPr bwMode="auto">
+          <a:xfrm>
+            <a:off x="2771800" y="3284984"/>
+            <a:ext cx="6372200" cy="2306216"/>
+          </a:xfrm>
+          <a:prstGeom prst="rect">
+            <a:avLst/>
+          </a:prstGeom>
+          <a:noFill/>
+          <a:ln>
+            <a:noFill/>
+          </a:ln>
+          <a:extLst>
+            <a:ext uri="{909E8E84-426E-40DD-AFC4-6F175D3DCCD1}">
+              <a14:hiddenFill xmlns:a14="http://schemas.microsoft.com/office/drawing/2010/main">
+                <a:solidFill>
+                  <a:schemeClr val="accent1"/>
+                </a:solidFill>
+              </a14:hiddenFill>
+            </a:ext>
+            <a:ext uri="{91240B29-F687-4F45-9708-019B960494DF}">
+              <a14:hiddenLine xmlns:a14="http://schemas.microsoft.com/office/drawing/2010/main" w="9525">
+                <a:solidFill>
+                  <a:schemeClr val="tx1"/>
+                </a:solidFill>
+                <a:miter lim="800000"/>
+                <a:headEnd/>
+                <a:tailEnd/>
+              </a14:hiddenLine>
+            </a:ext>
+          </a:extLst>
+        </p:spPr>
+      </p:pic>
+      <p:sp>
+        <p:nvSpPr>
+          <p:cNvPr id="4" name="CaixaDeTexto 3"/>
+          <p:cNvSpPr txBox="1"/>
+          <p:nvPr/>
+        </p:nvSpPr>
+        <p:spPr>
+          <a:xfrm>
+            <a:off x="611560" y="3501008"/>
+            <a:ext cx="2160240" cy="2246769"/>
+          </a:xfrm>
+          <a:prstGeom prst="rect">
+            <a:avLst/>
+          </a:prstGeom>
+          <a:noFill/>
+        </p:spPr>
+        <p:txBody>
+          <a:bodyPr wrap="square" rtlCol="0">
+            <a:spAutoFit/>
+          </a:bodyPr>
+          <a:lstStyle/>
+          <a:p>
+            <a:r>
+              <a:rPr lang="pt-PT" sz="1400" dirty="0" smtClean="0"/>
+              <a:t>Depois do site ter finalizado a procura pelo que o utilizador escreveu, o utilizador será </a:t>
+            </a:r>
+            <a:r>
+              <a:rPr lang="pt-PT" sz="1400" dirty="0" err="1" smtClean="0"/>
+              <a:t>redirecionado</a:t>
+            </a:r>
+            <a:r>
+              <a:rPr lang="pt-PT" sz="1400" dirty="0" smtClean="0"/>
+              <a:t> para uma página onde será mostrado em que tabelas encontrou resultado, e que resultado encontrou.</a:t>
+            </a:r>
+            <a:endParaRPr lang="pt-PT" sz="1400" dirty="0"/>
+          </a:p>
+        </p:txBody>
+      </p:sp>
+      <p:sp>
+        <p:nvSpPr>
+          <p:cNvPr id="5" name="CaixaDeTexto 4"/>
+          <p:cNvSpPr txBox="1"/>
+          <p:nvPr/>
+        </p:nvSpPr>
+        <p:spPr>
+          <a:xfrm>
+            <a:off x="2771800" y="5877272"/>
+            <a:ext cx="5832648" cy="523220"/>
+          </a:xfrm>
+          <a:prstGeom prst="rect">
+            <a:avLst/>
+          </a:prstGeom>
+          <a:noFill/>
+        </p:spPr>
+        <p:txBody>
+          <a:bodyPr wrap="square" rtlCol="0">
+            <a:spAutoFit/>
+          </a:bodyPr>
+          <a:lstStyle/>
+          <a:p>
+            <a:r>
+              <a:rPr lang="pt-PT" sz="1400" dirty="0" smtClean="0"/>
+              <a:t>Caso o site não encontre o pedido em alguma tabela, o utilizador será informado.</a:t>
+            </a:r>
+            <a:endParaRPr lang="pt-PT" sz="1400" dirty="0"/>
+          </a:p>
+        </p:txBody>
+      </p:sp>
+    </p:spTree>
+    <p:extLst>
+      <p:ext uri="{BB962C8B-B14F-4D97-AF65-F5344CB8AC3E}">
+        <p14:creationId xmlns:p14="http://schemas.microsoft.com/office/powerpoint/2010/main" val="1101237924"/>
+      </p:ext>
+    </p:extLst>
+  </p:cSld>
+  <p:clrMapOvr>
+    <a:masterClrMapping/>
+  </p:clrMapOvr>
+  <p:timing>
+    <p:tnLst>
+      <p:par>
+        <p:cTn id="1" dur="indefinite" restart="never" nodeType="tmRoot"/>
+      </p:par>
+    </p:tnLst>
+  </p:timing>
+</p:sld>
+</file>
+
+<file path=ppt/slides/slide6.xml><?xml version="1.0" encoding="utf-8"?>
+<p:sld xmlns:a="http://schemas.openxmlformats.org/drawingml/2006/main" xmlns:r="http://schemas.openxmlformats.org/officeDocument/2006/relationships" xmlns:p="http://schemas.openxmlformats.org/presentationml/2006/main">
+  <p:cSld>
+    <p:spTree>
+      <p:nvGrpSpPr>
+        <p:cNvPr id="1" name=""/>
+        <p:cNvGrpSpPr/>
+        <p:nvPr/>
+      </p:nvGrpSpPr>
+      <p:grpSpPr>
+        <a:xfrm>
+          <a:off x="0" y="0"/>
+          <a:ext cx="0" cy="0"/>
+          <a:chOff x="0" y="0"/>
+          <a:chExt cx="0" cy="0"/>
+        </a:xfrm>
+      </p:grpSpPr>
+      <p:sp>
+        <p:nvSpPr>
+          <p:cNvPr id="2" name="Título 1"/>
+          <p:cNvSpPr>
+            <a:spLocks noGrp="1"/>
+          </p:cNvSpPr>
+          <p:nvPr>
+            <p:ph type="title"/>
+          </p:nvPr>
+        </p:nvSpPr>
+        <p:spPr/>
+        <p:txBody>
+          <a:bodyPr/>
+          <a:lstStyle/>
+          <a:p>
+            <a:pPr algn="ctr"/>
+            <a:r>
+              <a:rPr lang="pt-PT" dirty="0" smtClean="0"/>
+              <a:t>Controlador Procura</a:t>
+            </a:r>
+            <a:endParaRPr lang="pt-PT" dirty="0"/>
+          </a:p>
+        </p:txBody>
+      </p:sp>
+      <p:sp>
+        <p:nvSpPr>
+          <p:cNvPr id="3" name="Marcador de Posição de Conteúdo 2"/>
+          <p:cNvSpPr>
+            <a:spLocks noGrp="1"/>
+          </p:cNvSpPr>
+          <p:nvPr>
+            <p:ph idx="1"/>
+          </p:nvPr>
+        </p:nvSpPr>
+        <p:spPr/>
+        <p:txBody>
+          <a:bodyPr/>
+          <a:lstStyle/>
+          <a:p>
+            <a:endParaRPr lang="pt-PT"/>
+          </a:p>
+        </p:txBody>
+      </p:sp>
+    </p:spTree>
+    <p:extLst>
+      <p:ext uri="{BB962C8B-B14F-4D97-AF65-F5344CB8AC3E}">
+        <p14:creationId xmlns:p14="http://schemas.microsoft.com/office/powerpoint/2010/main" val="583598157"/>
+      </p:ext>
+    </p:extLst>
+  </p:cSld>
+  <p:clrMapOvr>
+    <a:masterClrMapping/>
+  </p:clrMapOvr>
+  <p:timing>
+    <p:tnLst>
+      <p:par>
+        <p:cTn id="1" dur="indefinite" restart="never" nodeType="tmRoot"/>
+      </p:par>
+    </p:tnLst>
+  </p:timing>
+</p:sld>
+</file>
+
+<file path=ppt/slides/slide7.xml><?xml version="1.0" encoding="utf-8"?>
+<p:sld xmlns:a="http://schemas.openxmlformats.org/drawingml/2006/main" xmlns:r="http://schemas.openxmlformats.org/officeDocument/2006/relationships" xmlns:p="http://schemas.openxmlformats.org/presentationml/2006/main">
+  <p:cSld>
+    <p:spTree>
+      <p:nvGrpSpPr>
+        <p:cNvPr id="1" name=""/>
+        <p:cNvGrpSpPr/>
+        <p:nvPr/>
+      </p:nvGrpSpPr>
+      <p:grpSpPr>
+        <a:xfrm>
+          <a:off x="0" y="0"/>
+          <a:ext cx="0" cy="0"/>
+          <a:chOff x="0" y="0"/>
+          <a:chExt cx="0" cy="0"/>
+        </a:xfrm>
+      </p:grpSpPr>
+      <p:sp>
+        <p:nvSpPr>
+          <p:cNvPr id="2" name="Título 1"/>
+          <p:cNvSpPr>
+            <a:spLocks noGrp="1"/>
+          </p:cNvSpPr>
+          <p:nvPr>
+            <p:ph type="title"/>
+          </p:nvPr>
+        </p:nvSpPr>
+        <p:spPr/>
+        <p:txBody>
+          <a:bodyPr/>
+          <a:lstStyle/>
+          <a:p>
+            <a:pPr algn="ctr"/>
+            <a:r>
+              <a:rPr lang="pt-PT" dirty="0" err="1" smtClean="0"/>
+              <a:t>Views</a:t>
+            </a:r>
+            <a:endParaRPr lang="pt-PT" dirty="0"/>
+          </a:p>
+        </p:txBody>
+      </p:sp>
+      <p:sp>
+        <p:nvSpPr>
+          <p:cNvPr id="3" name="Marcador de Posição de Conteúdo 2"/>
+          <p:cNvSpPr>
+            <a:spLocks noGrp="1"/>
+          </p:cNvSpPr>
+          <p:nvPr>
+            <p:ph idx="1"/>
+          </p:nvPr>
+        </p:nvSpPr>
+        <p:spPr>
+          <a:xfrm>
+            <a:off x="457200" y="3501009"/>
+            <a:ext cx="7467600" cy="864096"/>
+          </a:xfrm>
+        </p:spPr>
+        <p:txBody>
+          <a:bodyPr>
+            <a:normAutofit lnSpcReduction="10000"/>
+          </a:bodyPr>
+          <a:lstStyle/>
+          <a:p>
+            <a:pPr marL="36576" indent="0">
+              <a:buNone/>
+            </a:pPr>
+            <a:r>
+              <a:rPr lang="pt-PT" sz="1400" dirty="0" smtClean="0"/>
+              <a:t>Existem diversas </a:t>
+            </a:r>
+            <a:r>
+              <a:rPr lang="pt-PT" sz="1400" dirty="0" err="1" smtClean="0"/>
+              <a:t>views</a:t>
+            </a:r>
+            <a:r>
+              <a:rPr lang="pt-PT" sz="1400" dirty="0"/>
+              <a:t> </a:t>
+            </a:r>
+            <a:r>
+              <a:rPr lang="pt-PT" sz="1400" dirty="0" smtClean="0"/>
+              <a:t>que mostrarão os valores todos de uma determinada tabela da base de dados. Permitindo ao utilizador carregar num desses valores que o vai </a:t>
+            </a:r>
+            <a:r>
+              <a:rPr lang="pt-PT" sz="1400" dirty="0" err="1" smtClean="0"/>
+              <a:t>redirecionar</a:t>
+            </a:r>
+            <a:r>
+              <a:rPr lang="pt-PT" sz="1400" dirty="0" smtClean="0"/>
+              <a:t> para uma outra </a:t>
+            </a:r>
+            <a:r>
+              <a:rPr lang="pt-PT" sz="1400" dirty="0" err="1" smtClean="0"/>
+              <a:t>view</a:t>
+            </a:r>
+            <a:r>
+              <a:rPr lang="pt-PT" sz="1400" dirty="0" smtClean="0"/>
+              <a:t> onde vai mostrar outros dados referentes ao que foi escolhido pelo utilizador.</a:t>
+            </a:r>
+            <a:endParaRPr lang="pt-PT" sz="1400" dirty="0"/>
+          </a:p>
+        </p:txBody>
+      </p:sp>
+      <p:pic>
+        <p:nvPicPr>
+          <p:cNvPr id="4098" name="Picture 2"/>
+          <p:cNvPicPr>
+            <a:picLocks noChangeAspect="1" noChangeArrowheads="1"/>
+          </p:cNvPicPr>
+          <p:nvPr/>
+        </p:nvPicPr>
+        <p:blipFill>
+          <a:blip r:embed="rId2">
+            <a:extLst>
+              <a:ext uri="{28A0092B-C50C-407E-A947-70E740481C1C}">
+                <a14:useLocalDpi xmlns:a14="http://schemas.microsoft.com/office/drawing/2010/main" val="0"/>
+              </a:ext>
+            </a:extLst>
+          </a:blip>
+          <a:srcRect/>
+          <a:stretch>
+            <a:fillRect/>
+          </a:stretch>
+        </p:blipFill>
+        <p:spPr bwMode="auto">
+          <a:xfrm>
+            <a:off x="755576" y="1556792"/>
+            <a:ext cx="6696744" cy="1686774"/>
+          </a:xfrm>
+          <a:prstGeom prst="rect">
+            <a:avLst/>
+          </a:prstGeom>
+          <a:noFill/>
+          <a:ln>
+            <a:noFill/>
+          </a:ln>
+          <a:extLst>
+            <a:ext uri="{909E8E84-426E-40DD-AFC4-6F175D3DCCD1}">
+              <a14:hiddenFill xmlns:a14="http://schemas.microsoft.com/office/drawing/2010/main">
+                <a:solidFill>
+                  <a:schemeClr val="accent1"/>
+                </a:solidFill>
+              </a14:hiddenFill>
+            </a:ext>
+            <a:ext uri="{91240B29-F687-4F45-9708-019B960494DF}">
+              <a14:hiddenLine xmlns:a14="http://schemas.microsoft.com/office/drawing/2010/main" w="9525">
+                <a:solidFill>
+                  <a:schemeClr val="tx1"/>
+                </a:solidFill>
+                <a:miter lim="800000"/>
+                <a:headEnd/>
+                <a:tailEnd/>
+              </a14:hiddenLine>
+            </a:ext>
+          </a:extLst>
+        </p:spPr>
+      </p:pic>
+      <p:pic>
+        <p:nvPicPr>
+          <p:cNvPr id="4100" name="Picture 4"/>
+          <p:cNvPicPr>
+            <a:picLocks noChangeAspect="1" noChangeArrowheads="1"/>
+          </p:cNvPicPr>
+          <p:nvPr/>
+        </p:nvPicPr>
+        <p:blipFill>
+          <a:blip r:embed="rId3">
+            <a:extLst>
+              <a:ext uri="{28A0092B-C50C-407E-A947-70E740481C1C}">
+                <a14:useLocalDpi xmlns:a14="http://schemas.microsoft.com/office/drawing/2010/main" val="0"/>
+              </a:ext>
+            </a:extLst>
+          </a:blip>
+          <a:srcRect/>
+          <a:stretch>
+            <a:fillRect/>
+          </a:stretch>
+        </p:blipFill>
+        <p:spPr bwMode="auto">
+          <a:xfrm>
+            <a:off x="611560" y="4516624"/>
+            <a:ext cx="7200800" cy="1218074"/>
+          </a:xfrm>
+          <a:prstGeom prst="rect">
+            <a:avLst/>
+          </a:prstGeom>
+          <a:noFill/>
+          <a:ln>
+            <a:noFill/>
+          </a:ln>
+          <a:extLst>
+            <a:ext uri="{909E8E84-426E-40DD-AFC4-6F175D3DCCD1}">
+              <a14:hiddenFill xmlns:a14="http://schemas.microsoft.com/office/drawing/2010/main">
+                <a:solidFill>
+                  <a:schemeClr val="accent1"/>
+                </a:solidFill>
+              </a14:hiddenFill>
+            </a:ext>
+            <a:ext uri="{91240B29-F687-4F45-9708-019B960494DF}">
+              <a14:hiddenLine xmlns:a14="http://schemas.microsoft.com/office/drawing/2010/main" w="9525">
+                <a:solidFill>
+                  <a:schemeClr val="tx1"/>
+                </a:solidFill>
+                <a:miter lim="800000"/>
+                <a:headEnd/>
+                <a:tailEnd/>
+              </a14:hiddenLine>
+            </a:ext>
+          </a:extLst>
+        </p:spPr>
+      </p:pic>
+    </p:spTree>
+    <p:extLst>
+      <p:ext uri="{BB962C8B-B14F-4D97-AF65-F5344CB8AC3E}">
+        <p14:creationId xmlns:p14="http://schemas.microsoft.com/office/powerpoint/2010/main" val="60818787"/>
+      </p:ext>
+    </p:extLst>
+  </p:cSld>
+  <p:clrMapOvr>
+    <a:masterClrMapping/>
+  </p:clrMapOvr>
+  <p:timing>
+    <p:tnLst>
+      <p:par>
+        <p:cTn id="1" dur="indefinite" restart="never" nodeType="tmRoot"/>
+      </p:par>
+    </p:tnLst>
+  </p:timing>
+</p:sld>
+</file>
+
+<file path=ppt/slides/slide8.xml><?xml version="1.0" encoding="utf-8"?>
+<p:sld xmlns:a="http://schemas.openxmlformats.org/drawingml/2006/main" xmlns:r="http://schemas.openxmlformats.org/officeDocument/2006/relationships" xmlns:p="http://schemas.openxmlformats.org/presentationml/2006/main">
+  <p:cSld>
+    <p:spTree>
+      <p:nvGrpSpPr>
+        <p:cNvPr id="1" name=""/>
+        <p:cNvGrpSpPr/>
+        <p:nvPr/>
+      </p:nvGrpSpPr>
+      <p:grpSpPr>
+        <a:xfrm>
+          <a:off x="0" y="0"/>
+          <a:ext cx="0" cy="0"/>
+          <a:chOff x="0" y="0"/>
+          <a:chExt cx="0" cy="0"/>
+        </a:xfrm>
+      </p:grpSpPr>
+      <p:sp>
+        <p:nvSpPr>
+          <p:cNvPr id="2" name="Título 1"/>
+          <p:cNvSpPr>
+            <a:spLocks noGrp="1"/>
+          </p:cNvSpPr>
+          <p:nvPr>
+            <p:ph type="title"/>
+          </p:nvPr>
+        </p:nvSpPr>
+        <p:spPr/>
+        <p:txBody>
+          <a:bodyPr/>
+          <a:lstStyle/>
+          <a:p>
+            <a:endParaRPr lang="pt-PT"/>
+          </a:p>
+        </p:txBody>
+      </p:sp>
+      <p:sp>
+        <p:nvSpPr>
+          <p:cNvPr id="3" name="Marcador de Posição de Conteúdo 2"/>
+          <p:cNvSpPr>
+            <a:spLocks noGrp="1"/>
+          </p:cNvSpPr>
+          <p:nvPr>
+            <p:ph idx="1"/>
+          </p:nvPr>
+        </p:nvSpPr>
+        <p:spPr/>
+        <p:txBody>
+          <a:bodyPr/>
+          <a:lstStyle/>
+          <a:p>
+            <a:endParaRPr lang="pt-PT"/>
+          </a:p>
+        </p:txBody>
+      </p:sp>
+    </p:spTree>
+    <p:extLst>
+      <p:ext uri="{BB962C8B-B14F-4D97-AF65-F5344CB8AC3E}">
+        <p14:creationId xmlns:p14="http://schemas.microsoft.com/office/powerpoint/2010/main" val="2762469704"/>
+      </p:ext>
+    </p:extLst>
+  </p:cSld>
+  <p:clrMapOvr>
+    <a:masterClrMapping/>
+  </p:clrMapOvr>
+  <p:timing>
+    <p:tnLst>
+      <p:par>
+        <p:cTn id="1" dur="indefinite" restart="never" nodeType="tmRoot"/>
+      </p:par>
+    </p:tnLst>
+  </p:timing>
 </p:sld>
 </file>
 
 <file path=ppt/theme/theme1.xml><?xml version="1.0" encoding="utf-8"?>
 <a:theme xmlns:a="http://schemas.openxmlformats.org/drawingml/2006/main" name="Técnica">
   <a:themeElements>
-    <a:clrScheme name="Técnica">
+    <a:clrScheme name="Horizonte">
       <a:dk1>
-        <a:sysClr val="windowText" lastClr="000000"/>
+        <a:srgbClr val="000000"/>
       </a:dk1>
       <a:lt1>
-        <a:sysClr val="window" lastClr="FFFFFF"/>
+        <a:srgbClr val="FFFFFF"/>
       </a:lt1>
       <a:dk2>
-        <a:srgbClr val="3B3B3B"/>
+        <a:srgbClr val="1F2123"/>
       </a:dk2>
       <a:lt2>
-        <a:srgbClr val="D4D2D0"/>
+        <a:srgbClr val="DC9E1F"/>
       </a:lt2>
       <a:accent1>
-        <a:srgbClr val="6EA0B0"/>
+        <a:srgbClr val="7E97AD"/>
       </a:accent1>
       <a:accent2>
-        <a:srgbClr val="CCAF0A"/>
+        <a:srgbClr val="CC8E60"/>
       </a:accent2>
       <a:accent3>
-        <a:srgbClr val="8D89A4"/>
+        <a:srgbClr val="7A6A60"/>
       </a:accent3>
       <a:accent4>
-        <a:srgbClr val="748560"/>
+        <a:srgbClr val="B4936D"/>
       </a:accent4>
       <a:accent5>
-        <a:srgbClr val="9E9273"/>
+        <a:srgbClr val="67787B"/>
       </a:accent5>
       <a:accent6>
-        <a:srgbClr val="7E848D"/>
+        <a:srgbClr val="9D936F"/>
       </a:accent6>
       <a:hlink>
-        <a:srgbClr val="00C8C3"/>
+        <a:srgbClr val="646464"/>
       </a:hlink>
       <a:folHlink>
-        <a:srgbClr val="A116E0"/>
+        <a:srgbClr val="969696"/>
       </a:folHlink>
     </a:clrScheme>
     <a:fontScheme name="Técnica">

--- a/apresentação.pptx
+++ b/apresentação.pptx
@@ -10,9 +10,7 @@
     <p:sldId id="261" r:id="rId4"/>
     <p:sldId id="257" r:id="rId5"/>
     <p:sldId id="258" r:id="rId6"/>
-    <p:sldId id="262" r:id="rId7"/>
-    <p:sldId id="259" r:id="rId8"/>
-    <p:sldId id="260" r:id="rId9"/>
+    <p:sldId id="259" r:id="rId7"/>
   </p:sldIdLst>
   <p:sldSz cx="9144000" cy="6858000" type="screen4x3"/>
   <p:notesSz cx="6858000" cy="9144000"/>
@@ -3917,7 +3915,36 @@
             </a:r>
             <a:r>
               <a:rPr lang="pt-PT" sz="1400" dirty="0" smtClean="0"/>
-              <a:t> – para criar o DER.</a:t>
+              <a:t> – para criar o DER</a:t>
+            </a:r>
+            <a:r>
+              <a:rPr lang="pt-PT" sz="1400" dirty="0" smtClean="0"/>
+              <a:t>.</a:t>
+            </a:r>
+          </a:p>
+          <a:p>
+            <a:r>
+              <a:rPr lang="pt-PT" sz="1400" dirty="0" smtClean="0"/>
+              <a:t>Visual </a:t>
+            </a:r>
+            <a:r>
+              <a:rPr lang="pt-PT" sz="1400" dirty="0" err="1" smtClean="0"/>
+              <a:t>Studio</a:t>
+            </a:r>
+            <a:r>
+              <a:rPr lang="pt-PT" sz="1400" dirty="0" smtClean="0"/>
+              <a:t> </a:t>
+            </a:r>
+            <a:r>
+              <a:rPr lang="pt-PT" sz="1400" dirty="0" err="1" smtClean="0"/>
+              <a:t>Code</a:t>
+            </a:r>
+            <a:endParaRPr lang="pt-PT" sz="1400" dirty="0" smtClean="0"/>
+          </a:p>
+          <a:p>
+            <a:r>
+              <a:rPr lang="pt-PT" sz="1400" dirty="0" smtClean="0"/>
+              <a:t>XAMPP</a:t>
             </a:r>
             <a:endParaRPr lang="pt-PT" sz="1400" dirty="0"/>
           </a:p>
@@ -3981,25 +4008,6 @@
               <a:t>DER</a:t>
             </a:r>
             <a:endParaRPr lang="pt-PT" dirty="0"/>
-          </a:p>
-        </p:txBody>
-      </p:sp>
-      <p:sp>
-        <p:nvSpPr>
-          <p:cNvPr id="3" name="Marcador de Posição de Conteúdo 2"/>
-          <p:cNvSpPr>
-            <a:spLocks noGrp="1"/>
-          </p:cNvSpPr>
-          <p:nvPr>
-            <p:ph idx="1"/>
-          </p:nvPr>
-        </p:nvSpPr>
-        <p:spPr/>
-        <p:txBody>
-          <a:bodyPr/>
-          <a:lstStyle/>
-          <a:p>
-            <a:endParaRPr lang="pt-PT"/>
           </a:p>
         </p:txBody>
       </p:sp>
@@ -4505,86 +4513,6 @@
 </file>
 
 <file path=ppt/slides/slide6.xml><?xml version="1.0" encoding="utf-8"?>
-<p:sld xmlns:a="http://schemas.openxmlformats.org/drawingml/2006/main" xmlns:r="http://schemas.openxmlformats.org/officeDocument/2006/relationships" xmlns:p="http://schemas.openxmlformats.org/presentationml/2006/main">
-  <p:cSld>
-    <p:spTree>
-      <p:nvGrpSpPr>
-        <p:cNvPr id="1" name=""/>
-        <p:cNvGrpSpPr/>
-        <p:nvPr/>
-      </p:nvGrpSpPr>
-      <p:grpSpPr>
-        <a:xfrm>
-          <a:off x="0" y="0"/>
-          <a:ext cx="0" cy="0"/>
-          <a:chOff x="0" y="0"/>
-          <a:chExt cx="0" cy="0"/>
-        </a:xfrm>
-      </p:grpSpPr>
-      <p:sp>
-        <p:nvSpPr>
-          <p:cNvPr id="2" name="Título 1"/>
-          <p:cNvSpPr>
-            <a:spLocks noGrp="1"/>
-          </p:cNvSpPr>
-          <p:nvPr>
-            <p:ph type="title"/>
-          </p:nvPr>
-        </p:nvSpPr>
-        <p:spPr/>
-        <p:txBody>
-          <a:bodyPr/>
-          <a:lstStyle/>
-          <a:p>
-            <a:pPr algn="ctr"/>
-            <a:r>
-              <a:rPr lang="pt-PT" dirty="0" smtClean="0"/>
-              <a:t>Controlador Procura</a:t>
-            </a:r>
-            <a:endParaRPr lang="pt-PT" dirty="0"/>
-          </a:p>
-        </p:txBody>
-      </p:sp>
-      <p:sp>
-        <p:nvSpPr>
-          <p:cNvPr id="3" name="Marcador de Posição de Conteúdo 2"/>
-          <p:cNvSpPr>
-            <a:spLocks noGrp="1"/>
-          </p:cNvSpPr>
-          <p:nvPr>
-            <p:ph idx="1"/>
-          </p:nvPr>
-        </p:nvSpPr>
-        <p:spPr/>
-        <p:txBody>
-          <a:bodyPr/>
-          <a:lstStyle/>
-          <a:p>
-            <a:endParaRPr lang="pt-PT"/>
-          </a:p>
-        </p:txBody>
-      </p:sp>
-    </p:spTree>
-    <p:extLst>
-      <p:ext uri="{BB962C8B-B14F-4D97-AF65-F5344CB8AC3E}">
-        <p14:creationId xmlns:p14="http://schemas.microsoft.com/office/powerpoint/2010/main" val="583598157"/>
-      </p:ext>
-    </p:extLst>
-  </p:cSld>
-  <p:clrMapOvr>
-    <a:masterClrMapping/>
-  </p:clrMapOvr>
-  <p:timing>
-    <p:tnLst>
-      <p:par>
-        <p:cTn id="1" dur="indefinite" restart="never" nodeType="tmRoot"/>
-      </p:par>
-    </p:tnLst>
-  </p:timing>
-</p:sld>
-</file>
-
-<file path=ppt/slides/slide7.xml><?xml version="1.0" encoding="utf-8"?>
 <p:sld xmlns:a="http://schemas.openxmlformats.org/drawingml/2006/main" xmlns:r="http://schemas.openxmlformats.org/officeDocument/2006/relationships" xmlns:p="http://schemas.openxmlformats.org/presentationml/2006/main">
   <p:cSld>
     <p:spTree>
@@ -4798,81 +4726,6 @@
     <p:extLst>
       <p:ext uri="{BB962C8B-B14F-4D97-AF65-F5344CB8AC3E}">
         <p14:creationId xmlns:p14="http://schemas.microsoft.com/office/powerpoint/2010/main" val="60818787"/>
-      </p:ext>
-    </p:extLst>
-  </p:cSld>
-  <p:clrMapOvr>
-    <a:masterClrMapping/>
-  </p:clrMapOvr>
-  <p:timing>
-    <p:tnLst>
-      <p:par>
-        <p:cTn id="1" dur="indefinite" restart="never" nodeType="tmRoot"/>
-      </p:par>
-    </p:tnLst>
-  </p:timing>
-</p:sld>
-</file>
-
-<file path=ppt/slides/slide8.xml><?xml version="1.0" encoding="utf-8"?>
-<p:sld xmlns:a="http://schemas.openxmlformats.org/drawingml/2006/main" xmlns:r="http://schemas.openxmlformats.org/officeDocument/2006/relationships" xmlns:p="http://schemas.openxmlformats.org/presentationml/2006/main">
-  <p:cSld>
-    <p:spTree>
-      <p:nvGrpSpPr>
-        <p:cNvPr id="1" name=""/>
-        <p:cNvGrpSpPr/>
-        <p:nvPr/>
-      </p:nvGrpSpPr>
-      <p:grpSpPr>
-        <a:xfrm>
-          <a:off x="0" y="0"/>
-          <a:ext cx="0" cy="0"/>
-          <a:chOff x="0" y="0"/>
-          <a:chExt cx="0" cy="0"/>
-        </a:xfrm>
-      </p:grpSpPr>
-      <p:sp>
-        <p:nvSpPr>
-          <p:cNvPr id="2" name="Título 1"/>
-          <p:cNvSpPr>
-            <a:spLocks noGrp="1"/>
-          </p:cNvSpPr>
-          <p:nvPr>
-            <p:ph type="title"/>
-          </p:nvPr>
-        </p:nvSpPr>
-        <p:spPr/>
-        <p:txBody>
-          <a:bodyPr/>
-          <a:lstStyle/>
-          <a:p>
-            <a:endParaRPr lang="pt-PT"/>
-          </a:p>
-        </p:txBody>
-      </p:sp>
-      <p:sp>
-        <p:nvSpPr>
-          <p:cNvPr id="3" name="Marcador de Posição de Conteúdo 2"/>
-          <p:cNvSpPr>
-            <a:spLocks noGrp="1"/>
-          </p:cNvSpPr>
-          <p:nvPr>
-            <p:ph idx="1"/>
-          </p:nvPr>
-        </p:nvSpPr>
-        <p:spPr/>
-        <p:txBody>
-          <a:bodyPr/>
-          <a:lstStyle/>
-          <a:p>
-            <a:endParaRPr lang="pt-PT"/>
-          </a:p>
-        </p:txBody>
-      </p:sp>
-    </p:spTree>
-    <p:extLst>
-      <p:ext uri="{BB962C8B-B14F-4D97-AF65-F5344CB8AC3E}">
-        <p14:creationId xmlns:p14="http://schemas.microsoft.com/office/powerpoint/2010/main" val="2762469704"/>
       </p:ext>
     </p:extLst>
   </p:cSld>
